--- a/학교 제출/졸업작품 최종발표/2014132002 구태균 최종발표_ver.01.pptx
+++ b/학교 제출/졸업작품 최종발표/2014132002 구태균 최종발표_ver.01.pptx
@@ -284,7 +284,7 @@
           <a:p>
             <a:fld id="{5E3ECC82-F80B-43B9-96E1-983EED50554D}" type="datetimeFigureOut">
               <a:rPr lang="ko-KR" altLang="en-US" smtClean="0"/>
-              <a:t>2020-07-22</a:t>
+              <a:t>2020-07-28</a:t>
             </a:fld>
             <a:endParaRPr lang="ko-KR" altLang="en-US"/>
           </a:p>
@@ -482,7 +482,7 @@
           <a:p>
             <a:fld id="{5E3ECC82-F80B-43B9-96E1-983EED50554D}" type="datetimeFigureOut">
               <a:rPr lang="ko-KR" altLang="en-US" smtClean="0"/>
-              <a:t>2020-07-22</a:t>
+              <a:t>2020-07-28</a:t>
             </a:fld>
             <a:endParaRPr lang="ko-KR" altLang="en-US"/>
           </a:p>
@@ -690,7 +690,7 @@
           <a:p>
             <a:fld id="{5E3ECC82-F80B-43B9-96E1-983EED50554D}" type="datetimeFigureOut">
               <a:rPr lang="ko-KR" altLang="en-US" smtClean="0"/>
-              <a:t>2020-07-22</a:t>
+              <a:t>2020-07-28</a:t>
             </a:fld>
             <a:endParaRPr lang="ko-KR" altLang="en-US"/>
           </a:p>
@@ -888,7 +888,7 @@
           <a:p>
             <a:fld id="{5E3ECC82-F80B-43B9-96E1-983EED50554D}" type="datetimeFigureOut">
               <a:rPr lang="ko-KR" altLang="en-US" smtClean="0"/>
-              <a:t>2020-07-22</a:t>
+              <a:t>2020-07-28</a:t>
             </a:fld>
             <a:endParaRPr lang="ko-KR" altLang="en-US"/>
           </a:p>
@@ -1163,7 +1163,7 @@
           <a:p>
             <a:fld id="{5E3ECC82-F80B-43B9-96E1-983EED50554D}" type="datetimeFigureOut">
               <a:rPr lang="ko-KR" altLang="en-US" smtClean="0"/>
-              <a:t>2020-07-22</a:t>
+              <a:t>2020-07-28</a:t>
             </a:fld>
             <a:endParaRPr lang="ko-KR" altLang="en-US"/>
           </a:p>
@@ -1428,7 +1428,7 @@
           <a:p>
             <a:fld id="{5E3ECC82-F80B-43B9-96E1-983EED50554D}" type="datetimeFigureOut">
               <a:rPr lang="ko-KR" altLang="en-US" smtClean="0"/>
-              <a:t>2020-07-22</a:t>
+              <a:t>2020-07-28</a:t>
             </a:fld>
             <a:endParaRPr lang="ko-KR" altLang="en-US"/>
           </a:p>
@@ -1840,7 +1840,7 @@
           <a:p>
             <a:fld id="{5E3ECC82-F80B-43B9-96E1-983EED50554D}" type="datetimeFigureOut">
               <a:rPr lang="ko-KR" altLang="en-US" smtClean="0"/>
-              <a:t>2020-07-22</a:t>
+              <a:t>2020-07-28</a:t>
             </a:fld>
             <a:endParaRPr lang="ko-KR" altLang="en-US"/>
           </a:p>
@@ -1981,7 +1981,7 @@
           <a:p>
             <a:fld id="{5E3ECC82-F80B-43B9-96E1-983EED50554D}" type="datetimeFigureOut">
               <a:rPr lang="ko-KR" altLang="en-US" smtClean="0"/>
-              <a:t>2020-07-22</a:t>
+              <a:t>2020-07-28</a:t>
             </a:fld>
             <a:endParaRPr lang="ko-KR" altLang="en-US"/>
           </a:p>
@@ -2094,7 +2094,7 @@
           <a:p>
             <a:fld id="{5E3ECC82-F80B-43B9-96E1-983EED50554D}" type="datetimeFigureOut">
               <a:rPr lang="ko-KR" altLang="en-US" smtClean="0"/>
-              <a:t>2020-07-22</a:t>
+              <a:t>2020-07-28</a:t>
             </a:fld>
             <a:endParaRPr lang="ko-KR" altLang="en-US"/>
           </a:p>
@@ -2405,7 +2405,7 @@
           <a:p>
             <a:fld id="{5E3ECC82-F80B-43B9-96E1-983EED50554D}" type="datetimeFigureOut">
               <a:rPr lang="ko-KR" altLang="en-US" smtClean="0"/>
-              <a:t>2020-07-22</a:t>
+              <a:t>2020-07-28</a:t>
             </a:fld>
             <a:endParaRPr lang="ko-KR" altLang="en-US"/>
           </a:p>
@@ -2693,7 +2693,7 @@
           <a:p>
             <a:fld id="{5E3ECC82-F80B-43B9-96E1-983EED50554D}" type="datetimeFigureOut">
               <a:rPr lang="ko-KR" altLang="en-US" smtClean="0"/>
-              <a:t>2020-07-22</a:t>
+              <a:t>2020-07-28</a:t>
             </a:fld>
             <a:endParaRPr lang="ko-KR" altLang="en-US"/>
           </a:p>
@@ -2934,7 +2934,7 @@
           <a:p>
             <a:fld id="{5E3ECC82-F80B-43B9-96E1-983EED50554D}" type="datetimeFigureOut">
               <a:rPr lang="ko-KR" altLang="en-US" smtClean="0"/>
-              <a:t>2020-07-22</a:t>
+              <a:t>2020-07-28</a:t>
             </a:fld>
             <a:endParaRPr lang="ko-KR" altLang="en-US"/>
           </a:p>
@@ -3806,24 +3806,63 @@
           <a:lstStyle/>
           <a:p>
             <a:r>
+              <a:rPr lang="en-US" altLang="ko-KR" sz="1900"/>
+              <a:t>Shared_ptr : The C++ Programming Language (Fourth Edition)</a:t>
+            </a:r>
+          </a:p>
+          <a:p>
+            <a:endParaRPr lang="en-US" altLang="ko-KR" sz="1900"/>
+          </a:p>
+          <a:p>
+            <a:r>
+              <a:rPr lang="en-US" altLang="ko-KR" sz="1900"/>
+              <a:t>Lock-free </a:t>
+            </a:r>
+            <a:r>
               <a:rPr lang="ko-KR" altLang="en-US" sz="1900"/>
-              <a:t>관련 연구 자료 추가</a:t>
+              <a:t>구현의 필요성 </a:t>
             </a:r>
             <a:r>
               <a:rPr lang="en-US" altLang="ko-KR" sz="1900"/>
-              <a:t> ( </a:t>
+              <a:t>: </a:t>
+            </a:r>
+            <a:r>
+              <a:rPr lang="en-US" altLang="ko-KR" sz="1200">
+                <a:hlinkClick r:id="rId2"/>
+              </a:rPr>
+              <a:t>https://www.justsoftwaresolutions.co.uk/threading/why-do-we-need-atomic_shared_ptr.html</a:t>
+            </a:r>
+            <a:endParaRPr lang="en-US" altLang="ko-KR" sz="1900"/>
+          </a:p>
+          <a:p>
+            <a:endParaRPr lang="en-US" altLang="ko-KR" sz="1900"/>
+          </a:p>
+          <a:p>
+            <a:r>
+              <a:rPr lang="en-US" altLang="ko-KR" sz="1900"/>
+              <a:t>Lock-free</a:t>
             </a:r>
             <a:r>
               <a:rPr lang="ko-KR" altLang="en-US" sz="1900"/>
-              <a:t>논문외에 사이트는 안되는지 </a:t>
+              <a:t> </a:t>
             </a:r>
             <a:r>
               <a:rPr lang="en-US" altLang="ko-KR" sz="1900"/>
-              <a:t>)</a:t>
-            </a:r>
-          </a:p>
-          <a:p>
-            <a:endParaRPr lang="en-US" altLang="ko-KR" sz="1900" dirty="0"/>
+              <a:t>&amp;</a:t>
+            </a:r>
+            <a:r>
+              <a:rPr lang="ko-KR" altLang="en-US" sz="1900"/>
+              <a:t> </a:t>
+            </a:r>
+            <a:r>
+              <a:rPr lang="en-US" altLang="ko-KR" sz="1900"/>
+              <a:t>benchmark : </a:t>
+            </a:r>
+            <a:r>
+              <a:rPr lang="en-US" altLang="ko-KR" sz="1800"/>
+              <a:t>The Art of Multiprocessor Programming</a:t>
+            </a:r>
+            <a:endParaRPr lang="en-US" altLang="ko-KR" sz="1800" dirty="0"/>
           </a:p>
         </p:txBody>
       </p:sp>
@@ -8550,9 +8589,6 @@
             <a:normAutofit/>
           </a:bodyPr>
           <a:lstStyle/>
-          <a:p>
-            <a:endParaRPr lang="en-US" altLang="ko-KR"/>
-          </a:p>
           <a:p>
             <a:r>
               <a:rPr lang="ko-KR" altLang="en-US"/>
@@ -15704,8 +15740,8 @@
         </p:nvSpPr>
         <p:spPr>
           <a:xfrm>
-            <a:off x="1236020" y="4290305"/>
-            <a:ext cx="5036956" cy="461665"/>
+            <a:off x="971507" y="4290305"/>
+            <a:ext cx="6051657" cy="461665"/>
           </a:xfrm>
           <a:prstGeom prst="rect">
             <a:avLst/>
@@ -15724,23 +15760,7 @@
                   <a:schemeClr val="accent2"/>
                 </a:solidFill>
               </a:rPr>
-              <a:t>멀티쓰레드에서 </a:t>
-            </a:r>
-            <a:r>
-              <a:rPr lang="en-US" altLang="ko-KR" sz="2400">
-                <a:solidFill>
-                  <a:schemeClr val="accent2"/>
-                </a:solidFill>
-              </a:rPr>
-              <a:t>Lock</a:t>
-            </a:r>
-            <a:r>
-              <a:rPr lang="ko-KR" altLang="en-US" sz="2400">
-                <a:solidFill>
-                  <a:schemeClr val="accent2"/>
-                </a:solidFill>
-              </a:rPr>
-              <a:t>없이 실행하는</a:t>
+              <a:t>멀티쓰레드사이에서 간섭없이 실행 가능한</a:t>
             </a:r>
           </a:p>
         </p:txBody>
@@ -15759,7 +15779,7 @@
         </p:nvSpPr>
         <p:spPr>
           <a:xfrm>
-            <a:off x="7125934" y="4290306"/>
+            <a:off x="7125934" y="4312511"/>
             <a:ext cx="1832553" cy="461665"/>
           </a:xfrm>
           <a:prstGeom prst="rect">

--- a/학교 제출/졸업작품 최종발표/2014132002 구태균 최종발표_ver.01.pptx
+++ b/학교 제출/졸업작품 최종발표/2014132002 구태균 최종발표_ver.01.pptx
@@ -284,7 +284,7 @@
           <a:p>
             <a:fld id="{5E3ECC82-F80B-43B9-96E1-983EED50554D}" type="datetimeFigureOut">
               <a:rPr lang="ko-KR" altLang="en-US" smtClean="0"/>
-              <a:t>2020-07-28</a:t>
+              <a:t>2020-07-29</a:t>
             </a:fld>
             <a:endParaRPr lang="ko-KR" altLang="en-US"/>
           </a:p>
@@ -482,7 +482,7 @@
           <a:p>
             <a:fld id="{5E3ECC82-F80B-43B9-96E1-983EED50554D}" type="datetimeFigureOut">
               <a:rPr lang="ko-KR" altLang="en-US" smtClean="0"/>
-              <a:t>2020-07-28</a:t>
+              <a:t>2020-07-29</a:t>
             </a:fld>
             <a:endParaRPr lang="ko-KR" altLang="en-US"/>
           </a:p>
@@ -690,7 +690,7 @@
           <a:p>
             <a:fld id="{5E3ECC82-F80B-43B9-96E1-983EED50554D}" type="datetimeFigureOut">
               <a:rPr lang="ko-KR" altLang="en-US" smtClean="0"/>
-              <a:t>2020-07-28</a:t>
+              <a:t>2020-07-29</a:t>
             </a:fld>
             <a:endParaRPr lang="ko-KR" altLang="en-US"/>
           </a:p>
@@ -888,7 +888,7 @@
           <a:p>
             <a:fld id="{5E3ECC82-F80B-43B9-96E1-983EED50554D}" type="datetimeFigureOut">
               <a:rPr lang="ko-KR" altLang="en-US" smtClean="0"/>
-              <a:t>2020-07-28</a:t>
+              <a:t>2020-07-29</a:t>
             </a:fld>
             <a:endParaRPr lang="ko-KR" altLang="en-US"/>
           </a:p>
@@ -1163,7 +1163,7 @@
           <a:p>
             <a:fld id="{5E3ECC82-F80B-43B9-96E1-983EED50554D}" type="datetimeFigureOut">
               <a:rPr lang="ko-KR" altLang="en-US" smtClean="0"/>
-              <a:t>2020-07-28</a:t>
+              <a:t>2020-07-29</a:t>
             </a:fld>
             <a:endParaRPr lang="ko-KR" altLang="en-US"/>
           </a:p>
@@ -1428,7 +1428,7 @@
           <a:p>
             <a:fld id="{5E3ECC82-F80B-43B9-96E1-983EED50554D}" type="datetimeFigureOut">
               <a:rPr lang="ko-KR" altLang="en-US" smtClean="0"/>
-              <a:t>2020-07-28</a:t>
+              <a:t>2020-07-29</a:t>
             </a:fld>
             <a:endParaRPr lang="ko-KR" altLang="en-US"/>
           </a:p>
@@ -1840,7 +1840,7 @@
           <a:p>
             <a:fld id="{5E3ECC82-F80B-43B9-96E1-983EED50554D}" type="datetimeFigureOut">
               <a:rPr lang="ko-KR" altLang="en-US" smtClean="0"/>
-              <a:t>2020-07-28</a:t>
+              <a:t>2020-07-29</a:t>
             </a:fld>
             <a:endParaRPr lang="ko-KR" altLang="en-US"/>
           </a:p>
@@ -1981,7 +1981,7 @@
           <a:p>
             <a:fld id="{5E3ECC82-F80B-43B9-96E1-983EED50554D}" type="datetimeFigureOut">
               <a:rPr lang="ko-KR" altLang="en-US" smtClean="0"/>
-              <a:t>2020-07-28</a:t>
+              <a:t>2020-07-29</a:t>
             </a:fld>
             <a:endParaRPr lang="ko-KR" altLang="en-US"/>
           </a:p>
@@ -2094,7 +2094,7 @@
           <a:p>
             <a:fld id="{5E3ECC82-F80B-43B9-96E1-983EED50554D}" type="datetimeFigureOut">
               <a:rPr lang="ko-KR" altLang="en-US" smtClean="0"/>
-              <a:t>2020-07-28</a:t>
+              <a:t>2020-07-29</a:t>
             </a:fld>
             <a:endParaRPr lang="ko-KR" altLang="en-US"/>
           </a:p>
@@ -2405,7 +2405,7 @@
           <a:p>
             <a:fld id="{5E3ECC82-F80B-43B9-96E1-983EED50554D}" type="datetimeFigureOut">
               <a:rPr lang="ko-KR" altLang="en-US" smtClean="0"/>
-              <a:t>2020-07-28</a:t>
+              <a:t>2020-07-29</a:t>
             </a:fld>
             <a:endParaRPr lang="ko-KR" altLang="en-US"/>
           </a:p>
@@ -2693,7 +2693,7 @@
           <a:p>
             <a:fld id="{5E3ECC82-F80B-43B9-96E1-983EED50554D}" type="datetimeFigureOut">
               <a:rPr lang="ko-KR" altLang="en-US" smtClean="0"/>
-              <a:t>2020-07-28</a:t>
+              <a:t>2020-07-29</a:t>
             </a:fld>
             <a:endParaRPr lang="ko-KR" altLang="en-US"/>
           </a:p>
@@ -2934,7 +2934,7 @@
           <a:p>
             <a:fld id="{5E3ECC82-F80B-43B9-96E1-983EED50554D}" type="datetimeFigureOut">
               <a:rPr lang="ko-KR" altLang="en-US" smtClean="0"/>
-              <a:t>2020-07-28</a:t>
+              <a:t>2020-07-29</a:t>
             </a:fld>
             <a:endParaRPr lang="ko-KR" altLang="en-US"/>
           </a:p>
@@ -3734,6 +3734,13 @@
   <p:clrMapOvr>
     <a:masterClrMapping/>
   </p:clrMapOvr>
+  <p:timing>
+    <p:tnLst>
+      <p:par>
+        <p:cTn id="1" dur="indefinite" restart="never" nodeType="tmRoot"/>
+      </p:par>
+    </p:tnLst>
+  </p:timing>
 </p:sld>
 </file>
 
@@ -4107,6 +4114,13 @@
   <p:clrMapOvr>
     <a:masterClrMapping/>
   </p:clrMapOvr>
+  <p:timing>
+    <p:tnLst>
+      <p:par>
+        <p:cTn id="1" dur="indefinite" restart="never" nodeType="tmRoot"/>
+      </p:par>
+    </p:tnLst>
+  </p:timing>
 </p:sld>
 </file>
 
@@ -5568,8 +5582,8 @@
         </p:nvSpPr>
         <p:spPr>
           <a:xfrm>
-            <a:off x="350594" y="1692606"/>
-            <a:ext cx="877163" cy="369332"/>
+            <a:off x="276960" y="1825495"/>
+            <a:ext cx="1005403" cy="584775"/>
           </a:xfrm>
           <a:prstGeom prst="rect">
             <a:avLst/>
@@ -5583,9 +5597,18 @@
           <a:lstStyle/>
           <a:p>
             <a:r>
-              <a:rPr lang="ko-KR" altLang="en-US" dirty="0"/>
-              <a:t>계획서</a:t>
-            </a:r>
+              <a:rPr lang="ko-KR" altLang="en-US" sz="3200" dirty="0" smtClean="0">
+                <a:solidFill>
+                  <a:srgbClr val="0070C0"/>
+                </a:solidFill>
+              </a:rPr>
+              <a:t>계획</a:t>
+            </a:r>
+            <a:endParaRPr lang="ko-KR" altLang="en-US" sz="3200" dirty="0">
+              <a:solidFill>
+                <a:srgbClr val="0070C0"/>
+              </a:solidFill>
+            </a:endParaRPr>
           </a:p>
         </p:txBody>
       </p:sp>
@@ -6815,8 +6838,8 @@
         </p:nvSpPr>
         <p:spPr>
           <a:xfrm>
-            <a:off x="398824" y="4321009"/>
-            <a:ext cx="646331" cy="369332"/>
+            <a:off x="343948" y="4313897"/>
+            <a:ext cx="1005403" cy="584775"/>
           </a:xfrm>
           <a:prstGeom prst="rect">
             <a:avLst/>
@@ -6830,10 +6853,18 @@
           <a:lstStyle/>
           <a:p>
             <a:r>
-              <a:rPr lang="ko-KR" altLang="en-US"/>
-              <a:t>구현</a:t>
-            </a:r>
-            <a:endParaRPr lang="en-US" altLang="ko-KR"/>
+              <a:rPr lang="ko-KR" altLang="en-US" sz="3200" dirty="0" smtClean="0">
+                <a:solidFill>
+                  <a:srgbClr val="0070C0"/>
+                </a:solidFill>
+              </a:rPr>
+              <a:t>수행</a:t>
+            </a:r>
+            <a:endParaRPr lang="en-US" altLang="ko-KR" sz="3200" dirty="0">
+              <a:solidFill>
+                <a:srgbClr val="0070C0"/>
+              </a:solidFill>
+            </a:endParaRPr>
           </a:p>
         </p:txBody>
       </p:sp>
@@ -6847,6 +6878,13 @@
   <p:clrMapOvr>
     <a:masterClrMapping/>
   </p:clrMapOvr>
+  <p:timing>
+    <p:tnLst>
+      <p:par>
+        <p:cTn id="1" dur="indefinite" restart="never" nodeType="tmRoot"/>
+      </p:par>
+    </p:tnLst>
+  </p:timing>
 </p:sld>
 </file>
 
@@ -6895,8 +6933,13 @@
           <a:p>
             <a:r>
               <a:rPr lang="ko-KR" altLang="en-US" dirty="0"/>
-              <a:t>개발 일정</a:t>
-            </a:r>
+              <a:t>개발 </a:t>
+            </a:r>
+            <a:r>
+              <a:rPr lang="ko-KR" altLang="en-US" dirty="0" smtClean="0"/>
+              <a:t>과정</a:t>
+            </a:r>
+            <a:endParaRPr lang="ko-KR" altLang="en-US" dirty="0"/>
           </a:p>
         </p:txBody>
       </p:sp>
@@ -7741,6 +7784,13 @@
   <p:clrMapOvr>
     <a:masterClrMapping/>
   </p:clrMapOvr>
+  <p:timing>
+    <p:tnLst>
+      <p:par>
+        <p:cTn id="1" dur="indefinite" restart="never" nodeType="tmRoot"/>
+      </p:par>
+    </p:tnLst>
+  </p:timing>
 </p:sld>
 </file>
 
@@ -8178,6 +8228,13 @@
   <p:clrMapOvr>
     <a:masterClrMapping/>
   </p:clrMapOvr>
+  <p:timing>
+    <p:tnLst>
+      <p:par>
+        <p:cTn id="1" dur="indefinite" restart="never" nodeType="tmRoot"/>
+      </p:par>
+    </p:tnLst>
+  </p:timing>
 </p:sld>
 </file>
 
@@ -8508,6 +8565,13 @@
   <p:clrMapOvr>
     <a:masterClrMapping/>
   </p:clrMapOvr>
+  <p:timing>
+    <p:tnLst>
+      <p:par>
+        <p:cTn id="1" dur="indefinite" restart="never" nodeType="tmRoot"/>
+      </p:par>
+    </p:tnLst>
+  </p:timing>
 </p:sld>
 </file>
 
@@ -8879,6 +8943,13 @@
   <p:clrMapOvr>
     <a:masterClrMapping/>
   </p:clrMapOvr>
+  <p:timing>
+    <p:tnLst>
+      <p:par>
+        <p:cTn id="1" dur="indefinite" restart="never" nodeType="tmRoot"/>
+      </p:par>
+    </p:tnLst>
+  </p:timing>
 </p:sld>
 </file>
 
@@ -10468,6 +10539,13 @@
   <p:clrMapOvr>
     <a:masterClrMapping/>
   </p:clrMapOvr>
+  <p:timing>
+    <p:tnLst>
+      <p:par>
+        <p:cTn id="1" dur="indefinite" restart="never" nodeType="tmRoot"/>
+      </p:par>
+    </p:tnLst>
+  </p:timing>
 </p:sld>
 </file>
 
@@ -13477,6 +13555,13 @@
   <p:clrMapOvr>
     <a:masterClrMapping/>
   </p:clrMapOvr>
+  <p:timing>
+    <p:tnLst>
+      <p:par>
+        <p:cTn id="1" dur="indefinite" restart="never" nodeType="tmRoot"/>
+      </p:par>
+    </p:tnLst>
+  </p:timing>
 </p:sld>
 </file>
 
@@ -15196,6 +15281,13 @@
   <p:clrMapOvr>
     <a:masterClrMapping/>
   </p:clrMapOvr>
+  <p:timing>
+    <p:tnLst>
+      <p:par>
+        <p:cTn id="1" dur="indefinite" restart="never" nodeType="tmRoot"/>
+      </p:par>
+    </p:tnLst>
+  </p:timing>
 </p:sld>
 </file>
 
@@ -15814,6 +15906,13 @@
   <p:clrMapOvr>
     <a:masterClrMapping/>
   </p:clrMapOvr>
+  <p:timing>
+    <p:tnLst>
+      <p:par>
+        <p:cTn id="1" dur="indefinite" restart="never" nodeType="tmRoot"/>
+      </p:par>
+    </p:tnLst>
+  </p:timing>
 </p:sld>
 </file>
 
@@ -16137,152 +16236,54 @@
             </a:r>
             <a:r>
               <a:rPr lang="ko-KR" altLang="en-US" dirty="0"/>
-              <a:t>와 </a:t>
-            </a:r>
-            <a:r>
-              <a:rPr lang="ko-KR" altLang="en-US"/>
-              <a:t>동일한 </a:t>
-            </a:r>
-            <a:r>
-              <a:rPr lang="en-US" altLang="ko-KR"/>
+              <a:t>와 동일한 </a:t>
+            </a:r>
+            <a:r>
+              <a:rPr lang="en-US" altLang="ko-KR" dirty="0"/>
               <a:t>method </a:t>
             </a:r>
             <a:r>
-              <a:rPr lang="ko-KR" altLang="en-US"/>
+              <a:rPr lang="ko-KR" altLang="en-US" dirty="0" smtClean="0"/>
               <a:t>구현</a:t>
             </a:r>
-            <a:endParaRPr lang="en-US" altLang="ko-KR"/>
-          </a:p>
-          <a:p>
-            <a:r>
-              <a:rPr lang="en-US" altLang="ko-KR"/>
-              <a:t>unique_ptr &amp; </a:t>
-            </a:r>
-            <a:r>
-              <a:rPr lang="ko-KR" altLang="en-US"/>
-              <a:t>확장성 관련 부분 구현</a:t>
-            </a:r>
-            <a:r>
-              <a:rPr lang="en-US" altLang="ko-KR"/>
-              <a:t>x</a:t>
-            </a:r>
-          </a:p>
-          <a:p>
-            <a:pPr marL="0" indent="0">
-              <a:buNone/>
-            </a:pPr>
-            <a:endParaRPr lang="en-US" altLang="ko-KR"/>
-          </a:p>
-          <a:p>
-            <a:pPr marL="514350" indent="-514350">
-              <a:buFont typeface="+mj-lt"/>
-              <a:buAutoNum type="arabicPeriod"/>
-            </a:pPr>
-            <a:r>
-              <a:rPr lang="en-US" altLang="ko-KR"/>
-              <a:t>unique_ptr</a:t>
-            </a:r>
-            <a:r>
-              <a:rPr lang="ko-KR" altLang="en-US"/>
-              <a:t> </a:t>
-            </a:r>
-            <a:r>
-              <a:rPr lang="en-US" altLang="ko-KR"/>
-              <a:t>:</a:t>
-            </a:r>
-            <a:r>
-              <a:rPr lang="ko-KR" altLang="en-US"/>
-              <a:t> </a:t>
-            </a:r>
-            <a:r>
-              <a:rPr lang="en-US" altLang="ko-KR"/>
-              <a:t>unique_ptr</a:t>
-            </a:r>
-            <a:r>
-              <a:rPr lang="ko-KR" altLang="en-US"/>
-              <a:t>와 관련된 메소드 구현</a:t>
-            </a:r>
-            <a:r>
-              <a:rPr lang="en-US" altLang="ko-KR"/>
-              <a:t>x</a:t>
-            </a:r>
-          </a:p>
-          <a:p>
-            <a:pPr marL="514350" indent="-514350">
-              <a:buAutoNum type="arabicPeriod"/>
-            </a:pPr>
-            <a:r>
-              <a:rPr lang="en-US" altLang="ko-KR"/>
-              <a:t>shared</a:t>
-            </a:r>
-            <a:r>
-              <a:rPr lang="en-US" altLang="ko-KR" dirty="0" err="1"/>
-              <a:t>_ptr</a:t>
-            </a:r>
-            <a:r>
-              <a:rPr lang="en-US" altLang="ko-KR" dirty="0"/>
-              <a:t>&lt;array&gt; : </a:t>
-            </a:r>
-            <a:r>
-              <a:rPr lang="ko-KR" altLang="en-US" dirty="0"/>
-              <a:t>배열을 다루는 </a:t>
-            </a:r>
-            <a:r>
-              <a:rPr lang="ko-KR" altLang="en-US" dirty="0" err="1"/>
-              <a:t>확작성</a:t>
-            </a:r>
-            <a:r>
-              <a:rPr lang="ko-KR" altLang="en-US" dirty="0"/>
-              <a:t> 제공</a:t>
-            </a:r>
-            <a:r>
-              <a:rPr lang="en-US" altLang="ko-KR" dirty="0"/>
-              <a:t>x</a:t>
-            </a:r>
-          </a:p>
-          <a:p>
-            <a:pPr marL="514350" indent="-514350">
-              <a:buAutoNum type="arabicPeriod"/>
-            </a:pPr>
-            <a:r>
-              <a:rPr lang="en-US" altLang="ko-KR" dirty="0" err="1"/>
-              <a:t>shared_ptr</a:t>
-            </a:r>
-            <a:r>
-              <a:rPr lang="ko-KR" altLang="en-US" dirty="0"/>
-              <a:t> </a:t>
-            </a:r>
-            <a:r>
-              <a:rPr lang="en-US" altLang="ko-KR" dirty="0"/>
-              <a:t>&lt;U&gt; : </a:t>
-            </a:r>
-            <a:r>
-              <a:rPr lang="ko-KR" altLang="en-US" dirty="0"/>
-              <a:t>다른 </a:t>
-            </a:r>
-            <a:r>
-              <a:rPr lang="en-US" altLang="ko-KR" dirty="0" err="1"/>
-              <a:t>typename</a:t>
-            </a:r>
-            <a:r>
-              <a:rPr lang="ko-KR" altLang="en-US" dirty="0"/>
-              <a:t>인자를 다루는 확장성 제공</a:t>
-            </a:r>
-            <a:r>
-              <a:rPr lang="en-US" altLang="ko-KR" dirty="0"/>
-              <a:t>x</a:t>
-            </a:r>
-          </a:p>
-          <a:p>
-            <a:pPr marL="0" indent="0">
-              <a:buNone/>
-            </a:pPr>
-            <a:endParaRPr lang="en-US" altLang="ko-KR" dirty="0"/>
-          </a:p>
-          <a:p>
-            <a:pPr marL="0" indent="0">
-              <a:buNone/>
-            </a:pPr>
+            <a:endParaRPr lang="en-US" altLang="ko-KR" dirty="0" smtClean="0"/>
+          </a:p>
+          <a:p>
+            <a:r>
+              <a:rPr lang="ko-KR" altLang="en-US" dirty="0" smtClean="0"/>
+              <a:t>일부 </a:t>
+            </a:r>
+            <a:r>
+              <a:rPr lang="ko-KR" altLang="en-US" dirty="0" err="1" smtClean="0"/>
+              <a:t>메소드</a:t>
+            </a:r>
+            <a:r>
+              <a:rPr lang="ko-KR" altLang="en-US" dirty="0" smtClean="0"/>
+              <a:t> 삭제 </a:t>
+            </a:r>
+            <a:r>
+              <a:rPr lang="en-US" altLang="ko-KR" dirty="0" smtClean="0"/>
+              <a:t>: swap(), </a:t>
+            </a:r>
+            <a:r>
+              <a:rPr lang="en-US" altLang="ko-KR" dirty="0" err="1" smtClean="0"/>
+              <a:t>owner_before</a:t>
+            </a:r>
+            <a:r>
+              <a:rPr lang="en-US" altLang="ko-KR" dirty="0" smtClean="0"/>
+              <a:t>()</a:t>
+            </a:r>
+          </a:p>
+          <a:p>
+            <a:pPr lvl="1"/>
+            <a:r>
+              <a:rPr lang="ko-KR" altLang="en-US" dirty="0" smtClean="0"/>
+              <a:t>성능에 큰 악영향</a:t>
+            </a:r>
+            <a:r>
+              <a:rPr lang="en-US" altLang="ko-KR" dirty="0" smtClean="0"/>
+              <a:t>.</a:t>
+            </a:r>
             <a:endParaRPr lang="en-US" altLang="ko-KR" dirty="0"/>
           </a:p>
         </p:txBody>
@@ -16297,6 +16298,13 @@
   <p:clrMapOvr>
     <a:masterClrMapping/>
   </p:clrMapOvr>
+  <p:timing>
+    <p:tnLst>
+      <p:par>
+        <p:cTn id="1" dur="indefinite" restart="never" nodeType="tmRoot"/>
+      </p:par>
+    </p:tnLst>
+  </p:timing>
 </p:sld>
 </file>
 
@@ -16344,10 +16352,9 @@
           <a:lstStyle/>
           <a:p>
             <a:r>
-              <a:rPr lang="ko-KR" altLang="en-US"/>
+              <a:rPr lang="ko-KR" altLang="en-US" dirty="0"/>
               <a:t>구현</a:t>
             </a:r>
-            <a:endParaRPr lang="ko-KR" altLang="en-US" dirty="0"/>
           </a:p>
         </p:txBody>
       </p:sp>
@@ -16597,7 +16604,7 @@
         <p:spPr>
           <a:xfrm>
             <a:off x="838200" y="2046915"/>
-            <a:ext cx="4271083" cy="3919406"/>
+            <a:ext cx="4664825" cy="3945054"/>
           </a:xfrm>
           <a:prstGeom prst="rect">
             <a:avLst/>
@@ -16615,16 +16622,66 @@
               </a:lnSpc>
             </a:pPr>
             <a:r>
-              <a:rPr lang="en-US" altLang="ko-KR" kern="0">
+              <a:rPr lang="en-US" altLang="ko-KR" kern="0" dirty="0" err="1">
                 <a:solidFill>
                   <a:srgbClr val="000000"/>
                 </a:solidFill>
                 <a:latin typeface="돋움체" panose="020B0609000101010101" pitchFamily="49" charset="-127"/>
                 <a:cs typeface="돋움체" panose="020B0609000101010101" pitchFamily="49" charset="-127"/>
               </a:rPr>
-              <a:t>std::shared_ptr&lt;T&gt; std_ptr;</a:t>
-            </a:r>
-            <a:endParaRPr lang="en-US" altLang="ko-KR" kern="100">
+              <a:t>std</a:t>
+            </a:r>
+            <a:r>
+              <a:rPr lang="en-US" altLang="ko-KR" kern="0" dirty="0">
+                <a:solidFill>
+                  <a:srgbClr val="000000"/>
+                </a:solidFill>
+                <a:latin typeface="돋움체" panose="020B0609000101010101" pitchFamily="49" charset="-127"/>
+                <a:cs typeface="돋움체" panose="020B0609000101010101" pitchFamily="49" charset="-127"/>
+              </a:rPr>
+              <a:t>::</a:t>
+            </a:r>
+            <a:r>
+              <a:rPr lang="en-US" altLang="ko-KR" kern="0" dirty="0" err="1">
+                <a:solidFill>
+                  <a:srgbClr val="000000"/>
+                </a:solidFill>
+                <a:latin typeface="돋움체" panose="020B0609000101010101" pitchFamily="49" charset="-127"/>
+                <a:cs typeface="돋움체" panose="020B0609000101010101" pitchFamily="49" charset="-127"/>
+              </a:rPr>
+              <a:t>shared_ptr</a:t>
+            </a:r>
+            <a:r>
+              <a:rPr lang="en-US" altLang="ko-KR" kern="0" dirty="0">
+                <a:solidFill>
+                  <a:srgbClr val="000000"/>
+                </a:solidFill>
+                <a:latin typeface="돋움체" panose="020B0609000101010101" pitchFamily="49" charset="-127"/>
+                <a:cs typeface="돋움체" panose="020B0609000101010101" pitchFamily="49" charset="-127"/>
+              </a:rPr>
+              <a:t>&lt;T&gt; </a:t>
+            </a:r>
+            <a:r>
+              <a:rPr lang="en-US" altLang="ko-KR" kern="0" dirty="0" err="1">
+                <a:solidFill>
+                  <a:srgbClr val="000000"/>
+                </a:solidFill>
+                <a:latin typeface="돋움체" panose="020B0609000101010101" pitchFamily="49" charset="-127"/>
+                <a:cs typeface="돋움체" panose="020B0609000101010101" pitchFamily="49" charset="-127"/>
+              </a:rPr>
+              <a:t>std_ptr</a:t>
+            </a:r>
+            <a:r>
+              <a:rPr lang="en-US" altLang="ko-KR" kern="0" dirty="0">
+                <a:solidFill>
+                  <a:srgbClr val="000000"/>
+                </a:solidFill>
+                <a:latin typeface="돋움체" panose="020B0609000101010101" pitchFamily="49" charset="-127"/>
+                <a:cs typeface="돋움체" panose="020B0609000101010101" pitchFamily="49" charset="-127"/>
+              </a:rPr>
+              <a:t>;</a:t>
+            </a:r>
+            <a:endParaRPr lang="en-US" altLang="ko-KR" kern="100" dirty="0">
               <a:latin typeface="맑은 고딕" panose="020B0503020000020004" pitchFamily="50" charset="-127"/>
               <a:cs typeface="Times New Roman" panose="02020603050405020304" pitchFamily="18" charset="0"/>
             </a:endParaRPr>
@@ -16636,7 +16693,7 @@
               </a:lnSpc>
             </a:pPr>
             <a:r>
-              <a:rPr lang="en-US" altLang="ko-KR" kern="0">
+              <a:rPr lang="en-US" altLang="ko-KR" kern="0" dirty="0" err="1">
                 <a:solidFill>
                   <a:srgbClr val="4472C4"/>
                 </a:solidFill>
@@ -16645,7 +16702,7 @@
               </a:rPr>
               <a:t>std_ptr.element_type</a:t>
             </a:r>
-            <a:endParaRPr lang="ko-KR" altLang="ko-KR" kern="100">
+            <a:endParaRPr lang="ko-KR" altLang="ko-KR" kern="100" dirty="0">
               <a:latin typeface="맑은 고딕" panose="020B0503020000020004" pitchFamily="50" charset="-127"/>
               <a:cs typeface="Times New Roman" panose="02020603050405020304" pitchFamily="18" charset="0"/>
             </a:endParaRPr>
@@ -16657,36 +16714,25 @@
               </a:lnSpc>
             </a:pPr>
             <a:r>
-              <a:rPr lang="en-US" altLang="ko-KR" kern="0">
+              <a:rPr lang="en-US" altLang="ko-KR" kern="0" dirty="0" err="1">
                 <a:solidFill>
                   <a:srgbClr val="4472C4"/>
                 </a:solidFill>
                 <a:latin typeface="돋움체" panose="020B0609000101010101" pitchFamily="49" charset="-127"/>
                 <a:cs typeface="돋움체" panose="020B0609000101010101" pitchFamily="49" charset="-127"/>
               </a:rPr>
-              <a:t>std_ptr.operator bool</a:t>
-            </a:r>
-          </a:p>
-          <a:p>
-            <a:pPr latinLnBrk="0">
-              <a:lnSpc>
-                <a:spcPct val="107000"/>
-              </a:lnSpc>
-            </a:pPr>
-            <a:r>
-              <a:rPr lang="en-US" altLang="ko-KR" kern="0">
+              <a:t>std_ptr.operator</a:t>
+            </a:r>
+            <a:r>
+              <a:rPr lang="en-US" altLang="ko-KR" kern="0" dirty="0">
                 <a:solidFill>
                   <a:srgbClr val="4472C4"/>
                 </a:solidFill>
                 <a:latin typeface="돋움체" panose="020B0609000101010101" pitchFamily="49" charset="-127"/>
                 <a:cs typeface="돋움체" panose="020B0609000101010101" pitchFamily="49" charset="-127"/>
               </a:rPr>
-              <a:t>std_ptr.operator*</a:t>
-            </a:r>
-            <a:endParaRPr lang="en-US" altLang="ko-KR" kern="100">
-              <a:latin typeface="맑은 고딕" panose="020B0503020000020004" pitchFamily="50" charset="-127"/>
-              <a:cs typeface="Times New Roman" panose="02020603050405020304" pitchFamily="18" charset="0"/>
-            </a:endParaRPr>
+              <a:t> bool</a:t>
+            </a:r>
           </a:p>
           <a:p>
             <a:pPr latinLnBrk="0">
@@ -16695,33 +16741,26 @@
               </a:lnSpc>
             </a:pPr>
             <a:r>
-              <a:rPr lang="en-US" altLang="ko-KR" kern="0">
+              <a:rPr lang="en-US" altLang="ko-KR" kern="0" dirty="0" err="1">
                 <a:solidFill>
                   <a:srgbClr val="4472C4"/>
                 </a:solidFill>
                 <a:latin typeface="돋움체" panose="020B0609000101010101" pitchFamily="49" charset="-127"/>
                 <a:cs typeface="돋움체" panose="020B0609000101010101" pitchFamily="49" charset="-127"/>
               </a:rPr>
-              <a:t>std_ptr.operator-&gt;</a:t>
-            </a:r>
-          </a:p>
-          <a:p>
-            <a:pPr latinLnBrk="0">
-              <a:lnSpc>
-                <a:spcPct val="107000"/>
-              </a:lnSpc>
-            </a:pPr>
-            <a:r>
-              <a:rPr lang="en-US" altLang="ko-KR" kern="0">
+              <a:t>std_ptr.operator</a:t>
+            </a:r>
+            <a:r>
+              <a:rPr lang="en-US" altLang="ko-KR" kern="0" dirty="0">
                 <a:solidFill>
                   <a:srgbClr val="4472C4"/>
                 </a:solidFill>
                 <a:latin typeface="돋움체" panose="020B0609000101010101" pitchFamily="49" charset="-127"/>
                 <a:cs typeface="돋움체" panose="020B0609000101010101" pitchFamily="49" charset="-127"/>
               </a:rPr>
-              <a:t>std_ptr.operator=</a:t>
-            </a:r>
-            <a:endParaRPr lang="en-US" altLang="ko-KR" kern="100">
+              <a:t>*</a:t>
+            </a:r>
+            <a:endParaRPr lang="en-US" altLang="ko-KR" kern="100" dirty="0">
               <a:latin typeface="맑은 고딕" panose="020B0503020000020004" pitchFamily="50" charset="-127"/>
               <a:cs typeface="Times New Roman" panose="02020603050405020304" pitchFamily="18" charset="0"/>
             </a:endParaRPr>
@@ -16733,17 +16772,85 @@
               </a:lnSpc>
             </a:pPr>
             <a:r>
-              <a:rPr lang="en-US" altLang="ko-KR" kern="0">
+              <a:rPr lang="en-US" altLang="ko-KR" kern="0" dirty="0" err="1">
+                <a:solidFill>
+                  <a:srgbClr val="4472C4"/>
+                </a:solidFill>
+                <a:latin typeface="돋움체" panose="020B0609000101010101" pitchFamily="49" charset="-127"/>
+                <a:cs typeface="돋움체" panose="020B0609000101010101" pitchFamily="49" charset="-127"/>
+              </a:rPr>
+              <a:t>std_ptr.operator</a:t>
+            </a:r>
+            <a:r>
+              <a:rPr lang="en-US" altLang="ko-KR" kern="0" dirty="0">
+                <a:solidFill>
+                  <a:srgbClr val="4472C4"/>
+                </a:solidFill>
+                <a:latin typeface="돋움체" panose="020B0609000101010101" pitchFamily="49" charset="-127"/>
+                <a:cs typeface="돋움체" panose="020B0609000101010101" pitchFamily="49" charset="-127"/>
+              </a:rPr>
+              <a:t>-&gt;</a:t>
+            </a:r>
+          </a:p>
+          <a:p>
+            <a:pPr latinLnBrk="0">
+              <a:lnSpc>
+                <a:spcPct val="107000"/>
+              </a:lnSpc>
+            </a:pPr>
+            <a:r>
+              <a:rPr lang="en-US" altLang="ko-KR" kern="0" dirty="0" err="1">
+                <a:solidFill>
+                  <a:srgbClr val="4472C4"/>
+                </a:solidFill>
+                <a:latin typeface="돋움체" panose="020B0609000101010101" pitchFamily="49" charset="-127"/>
+                <a:cs typeface="돋움체" panose="020B0609000101010101" pitchFamily="49" charset="-127"/>
+              </a:rPr>
+              <a:t>std_ptr.operator</a:t>
+            </a:r>
+            <a:r>
+              <a:rPr lang="en-US" altLang="ko-KR" kern="0" dirty="0">
+                <a:solidFill>
+                  <a:srgbClr val="4472C4"/>
+                </a:solidFill>
+                <a:latin typeface="돋움체" panose="020B0609000101010101" pitchFamily="49" charset="-127"/>
+                <a:cs typeface="돋움체" panose="020B0609000101010101" pitchFamily="49" charset="-127"/>
+              </a:rPr>
+              <a:t>=</a:t>
+            </a:r>
+            <a:endParaRPr lang="en-US" altLang="ko-KR" kern="100" dirty="0">
+              <a:latin typeface="맑은 고딕" panose="020B0503020000020004" pitchFamily="50" charset="-127"/>
+              <a:cs typeface="Times New Roman" panose="02020603050405020304" pitchFamily="18" charset="0"/>
+            </a:endParaRPr>
+          </a:p>
+          <a:p>
+            <a:pPr latinLnBrk="0">
+              <a:lnSpc>
+                <a:spcPct val="107000"/>
+              </a:lnSpc>
+            </a:pPr>
+            <a:r>
+              <a:rPr lang="en-US" altLang="ko-KR" kern="0" dirty="0" err="1">
                 <a:solidFill>
                   <a:srgbClr val="FF0000"/>
                 </a:solidFill>
                 <a:latin typeface="돋움체" panose="020B0609000101010101" pitchFamily="49" charset="-127"/>
                 <a:cs typeface="돋움체" panose="020B0609000101010101" pitchFamily="49" charset="-127"/>
               </a:rPr>
-              <a:t>std_ptr.operator[]	(</a:t>
-            </a:r>
-            <a:r>
-              <a:rPr lang="ko-KR" altLang="en-US" kern="0">
+              <a:t>std_ptr.operator</a:t>
+            </a:r>
+            <a:r>
+              <a:rPr lang="en-US" altLang="ko-KR" kern="0" dirty="0">
+                <a:solidFill>
+                  <a:srgbClr val="FF0000"/>
+                </a:solidFill>
+                <a:latin typeface="돋움체" panose="020B0609000101010101" pitchFamily="49" charset="-127"/>
+                <a:cs typeface="돋움체" panose="020B0609000101010101" pitchFamily="49" charset="-127"/>
+              </a:rPr>
+              <a:t>[]	(</a:t>
+            </a:r>
+            <a:r>
+              <a:rPr lang="ko-KR" altLang="en-US" kern="0" dirty="0">
                 <a:solidFill>
                   <a:srgbClr val="FF0000"/>
                 </a:solidFill>
@@ -16753,7 +16860,7 @@
               <a:t>확장성 </a:t>
             </a:r>
             <a:r>
-              <a:rPr lang="en-US" altLang="ko-KR" kern="0">
+              <a:rPr lang="en-US" altLang="ko-KR" kern="0" dirty="0">
                 <a:solidFill>
                   <a:srgbClr val="FF0000"/>
                 </a:solidFill>
@@ -16762,7 +16869,7 @@
               </a:rPr>
               <a:t>x)</a:t>
             </a:r>
-            <a:endParaRPr lang="ko-KR" altLang="ko-KR" kern="100">
+            <a:endParaRPr lang="ko-KR" altLang="ko-KR" kern="100" dirty="0">
               <a:latin typeface="맑은 고딕" panose="020B0503020000020004" pitchFamily="50" charset="-127"/>
               <a:cs typeface="Times New Roman" panose="02020603050405020304" pitchFamily="18" charset="0"/>
             </a:endParaRPr>
@@ -16774,7 +16881,7 @@
               </a:lnSpc>
             </a:pPr>
             <a:r>
-              <a:rPr lang="en-US" altLang="ko-KR" kern="0">
+              <a:rPr lang="en-US" altLang="ko-KR" kern="0" dirty="0" err="1" smtClean="0">
                 <a:solidFill>
                   <a:srgbClr val="FF0000"/>
                 </a:solidFill>
@@ -16783,7 +16890,47 @@
               </a:rPr>
               <a:t>std_ptr.owner_before</a:t>
             </a:r>
-            <a:endParaRPr lang="ko-KR" altLang="ko-KR" kern="100">
+            <a:r>
+              <a:rPr lang="en-US" altLang="ko-KR" kern="0" dirty="0">
+                <a:solidFill>
+                  <a:srgbClr val="FF0000"/>
+                </a:solidFill>
+                <a:latin typeface="돋움체" panose="020B0609000101010101" pitchFamily="49" charset="-127"/>
+                <a:cs typeface="돋움체" panose="020B0609000101010101" pitchFamily="49" charset="-127"/>
+              </a:rPr>
+              <a:t> </a:t>
+            </a:r>
+            <a:r>
+              <a:rPr lang="en-US" altLang="ko-KR" kern="0" dirty="0" smtClean="0">
+                <a:solidFill>
+                  <a:srgbClr val="FF0000"/>
+                </a:solidFill>
+                <a:latin typeface="돋움체" panose="020B0609000101010101" pitchFamily="49" charset="-127"/>
+                <a:cs typeface="돋움체" panose="020B0609000101010101" pitchFamily="49" charset="-127"/>
+              </a:rPr>
+              <a:t>   (</a:t>
+            </a:r>
+            <a:r>
+              <a:rPr lang="ko-KR" altLang="en-US" kern="0" dirty="0" smtClean="0">
+                <a:solidFill>
+                  <a:srgbClr val="FF0000"/>
+                </a:solidFill>
+                <a:latin typeface="돋움체" panose="020B0609000101010101" pitchFamily="49" charset="-127"/>
+                <a:cs typeface="돋움체" panose="020B0609000101010101" pitchFamily="49" charset="-127"/>
+              </a:rPr>
+              <a:t>구현 복잡성 </a:t>
+            </a:r>
+            <a:r>
+              <a:rPr lang="en-US" altLang="ko-KR" kern="0" dirty="0">
+                <a:solidFill>
+                  <a:srgbClr val="FF0000"/>
+                </a:solidFill>
+                <a:latin typeface="돋움체" panose="020B0609000101010101" pitchFamily="49" charset="-127"/>
+                <a:cs typeface="돋움체" panose="020B0609000101010101" pitchFamily="49" charset="-127"/>
+              </a:rPr>
+              <a:t>x)</a:t>
+            </a:r>
+            <a:endParaRPr lang="ko-KR" altLang="ko-KR" kern="100" dirty="0">
               <a:latin typeface="맑은 고딕" panose="020B0503020000020004" pitchFamily="50" charset="-127"/>
               <a:cs typeface="Times New Roman" panose="02020603050405020304" pitchFamily="18" charset="0"/>
             </a:endParaRPr>
@@ -16795,7 +16942,7 @@
               </a:lnSpc>
             </a:pPr>
             <a:r>
-              <a:rPr lang="en-US" altLang="ko-KR" kern="0">
+              <a:rPr lang="en-US" altLang="ko-KR" kern="0" dirty="0" err="1">
                 <a:solidFill>
                   <a:srgbClr val="4472C4"/>
                 </a:solidFill>
@@ -16804,7 +16951,7 @@
               </a:rPr>
               <a:t>std_ptr.reset</a:t>
             </a:r>
-            <a:endParaRPr lang="ko-KR" altLang="ko-KR" kern="100">
+            <a:endParaRPr lang="ko-KR" altLang="ko-KR" kern="100" dirty="0">
               <a:latin typeface="맑은 고딕" panose="020B0503020000020004" pitchFamily="50" charset="-127"/>
               <a:cs typeface="Times New Roman" panose="02020603050405020304" pitchFamily="18" charset="0"/>
             </a:endParaRPr>
@@ -16816,7 +16963,7 @@
               </a:lnSpc>
             </a:pPr>
             <a:r>
-              <a:rPr lang="en-US" altLang="ko-KR" kern="0">
+              <a:rPr lang="en-US" altLang="ko-KR" kern="0" dirty="0" err="1" smtClean="0">
                 <a:solidFill>
                   <a:srgbClr val="4472C4"/>
                 </a:solidFill>
@@ -16825,7 +16972,50 @@
               </a:rPr>
               <a:t>std_ptr.swap</a:t>
             </a:r>
-            <a:endParaRPr lang="ko-KR" altLang="ko-KR" kern="100">
+            <a:r>
+              <a:rPr lang="en-US" altLang="ko-KR" kern="0" dirty="0" smtClean="0">
+                <a:solidFill>
+                  <a:srgbClr val="4472C4"/>
+                </a:solidFill>
+                <a:latin typeface="돋움체" panose="020B0609000101010101" pitchFamily="49" charset="-127"/>
+                <a:cs typeface="돋움체" panose="020B0609000101010101" pitchFamily="49" charset="-127"/>
+              </a:rPr>
+              <a:t>            </a:t>
+            </a:r>
+            <a:r>
+              <a:rPr lang="en-US" altLang="ko-KR" kern="0" dirty="0" smtClean="0">
+                <a:solidFill>
+                  <a:srgbClr val="FF0000"/>
+                </a:solidFill>
+                <a:latin typeface="돋움체" panose="020B0609000101010101" pitchFamily="49" charset="-127"/>
+                <a:cs typeface="돋움체" panose="020B0609000101010101" pitchFamily="49" charset="-127"/>
+              </a:rPr>
+              <a:t>(</a:t>
+            </a:r>
+            <a:r>
+              <a:rPr lang="ko-KR" altLang="en-US" kern="0" dirty="0" smtClean="0">
+                <a:solidFill>
+                  <a:srgbClr val="FF0000"/>
+                </a:solidFill>
+                <a:latin typeface="돋움체" panose="020B0609000101010101" pitchFamily="49" charset="-127"/>
+                <a:cs typeface="돋움체" panose="020B0609000101010101" pitchFamily="49" charset="-127"/>
+              </a:rPr>
+              <a:t>성능 </a:t>
+            </a:r>
+            <a:r>
+              <a:rPr lang="en-US" altLang="ko-KR" kern="0" dirty="0" smtClean="0">
+                <a:solidFill>
+                  <a:srgbClr val="FF0000"/>
+                </a:solidFill>
+                <a:latin typeface="돋움체" panose="020B0609000101010101" pitchFamily="49" charset="-127"/>
+                <a:cs typeface="돋움체" panose="020B0609000101010101" pitchFamily="49" charset="-127"/>
+              </a:rPr>
+              <a:t>x)</a:t>
+            </a:r>
+            <a:endParaRPr lang="ko-KR" altLang="ko-KR" kern="100" dirty="0">
+              <a:solidFill>
+                <a:srgbClr val="FF0000"/>
+              </a:solidFill>
               <a:latin typeface="맑은 고딕" panose="020B0503020000020004" pitchFamily="50" charset="-127"/>
               <a:cs typeface="Times New Roman" panose="02020603050405020304" pitchFamily="18" charset="0"/>
             </a:endParaRPr>
@@ -16837,7 +17027,7 @@
               </a:lnSpc>
             </a:pPr>
             <a:r>
-              <a:rPr lang="en-US" altLang="ko-KR" kern="0">
+              <a:rPr lang="en-US" altLang="ko-KR" kern="0" dirty="0" err="1">
                 <a:solidFill>
                   <a:srgbClr val="4472C4"/>
                 </a:solidFill>
@@ -16846,7 +17036,7 @@
               </a:rPr>
               <a:t>std_ptr.unique</a:t>
             </a:r>
-            <a:endParaRPr lang="ko-KR" altLang="ko-KR" kern="100">
+            <a:endParaRPr lang="ko-KR" altLang="ko-KR" kern="100" dirty="0">
               <a:latin typeface="맑은 고딕" panose="020B0503020000020004" pitchFamily="50" charset="-127"/>
               <a:cs typeface="Times New Roman" panose="02020603050405020304" pitchFamily="18" charset="0"/>
             </a:endParaRPr>
@@ -16858,7 +17048,7 @@
               </a:lnSpc>
             </a:pPr>
             <a:r>
-              <a:rPr lang="en-US" altLang="ko-KR" kern="0">
+              <a:rPr lang="en-US" altLang="ko-KR" kern="0" dirty="0" err="1">
                 <a:solidFill>
                   <a:srgbClr val="4472C4"/>
                 </a:solidFill>
@@ -16867,7 +17057,7 @@
               </a:rPr>
               <a:t>std_ptr.use_count</a:t>
             </a:r>
-            <a:endParaRPr lang="ko-KR" altLang="ko-KR" kern="100">
+            <a:endParaRPr lang="ko-KR" altLang="ko-KR" kern="100" dirty="0">
               <a:latin typeface="맑은 고딕" panose="020B0503020000020004" pitchFamily="50" charset="-127"/>
               <a:cs typeface="Times New Roman" panose="02020603050405020304" pitchFamily="18" charset="0"/>
             </a:endParaRPr>
@@ -16879,16 +17069,46 @@
               </a:lnSpc>
             </a:pPr>
             <a:r>
-              <a:rPr lang="en-US" altLang="ko-KR" kern="0">
+              <a:rPr lang="en-US" altLang="ko-KR" kern="0" dirty="0">
                 <a:solidFill>
                   <a:srgbClr val="4472C4"/>
                 </a:solidFill>
                 <a:latin typeface="돋움체" panose="020B0609000101010101" pitchFamily="49" charset="-127"/>
                 <a:cs typeface="돋움체" panose="020B0609000101010101" pitchFamily="49" charset="-127"/>
               </a:rPr>
-              <a:t>std_ptr.~shared_ptr</a:t>
-            </a:r>
-            <a:endParaRPr lang="ko-KR" altLang="ko-KR" kern="100">
+              <a:t>std_</a:t>
+            </a:r>
+            <a:r>
+              <a:rPr lang="en-US" altLang="ko-KR" kern="0" dirty="0" err="1">
+                <a:solidFill>
+                  <a:srgbClr val="4472C4"/>
+                </a:solidFill>
+                <a:latin typeface="돋움체" panose="020B0609000101010101" pitchFamily="49" charset="-127"/>
+                <a:cs typeface="돋움체" panose="020B0609000101010101" pitchFamily="49" charset="-127"/>
+              </a:rPr>
+              <a:t>ptr</a:t>
+            </a:r>
+            <a:r>
+              <a:rPr lang="en-US" altLang="ko-KR" kern="0" dirty="0">
+                <a:solidFill>
+                  <a:srgbClr val="4472C4"/>
+                </a:solidFill>
+                <a:latin typeface="돋움체" panose="020B0609000101010101" pitchFamily="49" charset="-127"/>
+                <a:cs typeface="돋움체" panose="020B0609000101010101" pitchFamily="49" charset="-127"/>
+              </a:rPr>
+              <a:t>.~</a:t>
+            </a:r>
+            <a:r>
+              <a:rPr lang="en-US" altLang="ko-KR" kern="0" dirty="0" err="1">
+                <a:solidFill>
+                  <a:srgbClr val="4472C4"/>
+                </a:solidFill>
+                <a:latin typeface="돋움체" panose="020B0609000101010101" pitchFamily="49" charset="-127"/>
+                <a:cs typeface="돋움체" panose="020B0609000101010101" pitchFamily="49" charset="-127"/>
+              </a:rPr>
+              <a:t>shared_ptr</a:t>
+            </a:r>
+            <a:endParaRPr lang="ko-KR" altLang="ko-KR" kern="100" dirty="0">
               <a:latin typeface="맑은 고딕" panose="020B0503020000020004" pitchFamily="50" charset="-127"/>
               <a:cs typeface="Times New Roman" panose="02020603050405020304" pitchFamily="18" charset="0"/>
             </a:endParaRPr>
@@ -17217,6 +17437,13 @@
   <p:clrMapOvr>
     <a:masterClrMapping/>
   </p:clrMapOvr>
+  <p:timing>
+    <p:tnLst>
+      <p:par>
+        <p:cTn id="1" dur="indefinite" restart="never" nodeType="tmRoot"/>
+      </p:par>
+    </p:tnLst>
+  </p:timing>
 </p:sld>
 </file>
 
@@ -17516,8 +17743,8 @@
         </p:nvSpPr>
         <p:spPr>
           <a:xfrm>
-            <a:off x="838200" y="2340528"/>
-            <a:ext cx="4346986" cy="2733954"/>
+            <a:off x="838199" y="2340528"/>
+            <a:ext cx="4939145" cy="3055965"/>
           </a:xfrm>
           <a:prstGeom prst="rect">
             <a:avLst/>
@@ -17535,16 +17762,66 @@
               </a:lnSpc>
             </a:pPr>
             <a:r>
-              <a:rPr lang="en-US" altLang="ko-KR" kern="0">
+              <a:rPr lang="en-US" altLang="ko-KR" kern="0" dirty="0" err="1">
                 <a:solidFill>
                   <a:srgbClr val="000000"/>
                 </a:solidFill>
                 <a:latin typeface="돋움체" panose="020B0609000101010101" pitchFamily="49" charset="-127"/>
                 <a:cs typeface="돋움체" panose="020B0609000101010101" pitchFamily="49" charset="-127"/>
               </a:rPr>
-              <a:t>std::weak_ptr&lt;T&gt; std_wptr;</a:t>
-            </a:r>
-            <a:endParaRPr lang="ko-KR" altLang="ko-KR" kern="100">
+              <a:t>std</a:t>
+            </a:r>
+            <a:r>
+              <a:rPr lang="en-US" altLang="ko-KR" kern="0" dirty="0">
+                <a:solidFill>
+                  <a:srgbClr val="000000"/>
+                </a:solidFill>
+                <a:latin typeface="돋움체" panose="020B0609000101010101" pitchFamily="49" charset="-127"/>
+                <a:cs typeface="돋움체" panose="020B0609000101010101" pitchFamily="49" charset="-127"/>
+              </a:rPr>
+              <a:t>::</a:t>
+            </a:r>
+            <a:r>
+              <a:rPr lang="en-US" altLang="ko-KR" kern="0" dirty="0" err="1">
+                <a:solidFill>
+                  <a:srgbClr val="000000"/>
+                </a:solidFill>
+                <a:latin typeface="돋움체" panose="020B0609000101010101" pitchFamily="49" charset="-127"/>
+                <a:cs typeface="돋움체" panose="020B0609000101010101" pitchFamily="49" charset="-127"/>
+              </a:rPr>
+              <a:t>weak_ptr</a:t>
+            </a:r>
+            <a:r>
+              <a:rPr lang="en-US" altLang="ko-KR" kern="0" dirty="0">
+                <a:solidFill>
+                  <a:srgbClr val="000000"/>
+                </a:solidFill>
+                <a:latin typeface="돋움체" panose="020B0609000101010101" pitchFamily="49" charset="-127"/>
+                <a:cs typeface="돋움체" panose="020B0609000101010101" pitchFamily="49" charset="-127"/>
+              </a:rPr>
+              <a:t>&lt;T&gt; </a:t>
+            </a:r>
+            <a:r>
+              <a:rPr lang="en-US" altLang="ko-KR" kern="0" dirty="0" err="1">
+                <a:solidFill>
+                  <a:srgbClr val="000000"/>
+                </a:solidFill>
+                <a:latin typeface="돋움체" panose="020B0609000101010101" pitchFamily="49" charset="-127"/>
+                <a:cs typeface="돋움체" panose="020B0609000101010101" pitchFamily="49" charset="-127"/>
+              </a:rPr>
+              <a:t>std_wptr</a:t>
+            </a:r>
+            <a:r>
+              <a:rPr lang="en-US" altLang="ko-KR" kern="0" dirty="0">
+                <a:solidFill>
+                  <a:srgbClr val="000000"/>
+                </a:solidFill>
+                <a:latin typeface="돋움체" panose="020B0609000101010101" pitchFamily="49" charset="-127"/>
+                <a:cs typeface="돋움체" panose="020B0609000101010101" pitchFamily="49" charset="-127"/>
+              </a:rPr>
+              <a:t>;</a:t>
+            </a:r>
+            <a:endParaRPr lang="ko-KR" altLang="ko-KR" kern="100" dirty="0">
               <a:latin typeface="맑은 고딕" panose="020B0503020000020004" pitchFamily="50" charset="-127"/>
               <a:cs typeface="Times New Roman" panose="02020603050405020304" pitchFamily="18" charset="0"/>
             </a:endParaRPr>
@@ -17556,7 +17833,7 @@
               </a:lnSpc>
             </a:pPr>
             <a:r>
-              <a:rPr lang="en-US" altLang="ko-KR" kern="0">
+              <a:rPr lang="en-US" altLang="ko-KR" kern="0" dirty="0" err="1">
                 <a:solidFill>
                   <a:srgbClr val="4472C4"/>
                 </a:solidFill>
@@ -17565,7 +17842,7 @@
               </a:rPr>
               <a:t>std_wptr.expired</a:t>
             </a:r>
-            <a:endParaRPr lang="ko-KR" altLang="ko-KR" kern="100">
+            <a:endParaRPr lang="ko-KR" altLang="ko-KR" kern="100" dirty="0">
               <a:latin typeface="맑은 고딕" panose="020B0503020000020004" pitchFamily="50" charset="-127"/>
               <a:cs typeface="Times New Roman" panose="02020603050405020304" pitchFamily="18" charset="0"/>
             </a:endParaRPr>
@@ -17577,7 +17854,7 @@
               </a:lnSpc>
             </a:pPr>
             <a:r>
-              <a:rPr lang="en-US" altLang="ko-KR" kern="0">
+              <a:rPr lang="en-US" altLang="ko-KR" kern="0" dirty="0" err="1">
                 <a:solidFill>
                   <a:srgbClr val="4472C4"/>
                 </a:solidFill>
@@ -17586,7 +17863,7 @@
               </a:rPr>
               <a:t>std_wptr.lock</a:t>
             </a:r>
-            <a:endParaRPr lang="ko-KR" altLang="ko-KR" kern="100">
+            <a:endParaRPr lang="ko-KR" altLang="ko-KR" kern="100" dirty="0">
               <a:latin typeface="맑은 고딕" panose="020B0503020000020004" pitchFamily="50" charset="-127"/>
               <a:cs typeface="Times New Roman" panose="02020603050405020304" pitchFamily="18" charset="0"/>
             </a:endParaRPr>
@@ -17598,16 +17875,26 @@
               </a:lnSpc>
             </a:pPr>
             <a:r>
-              <a:rPr lang="en-US" altLang="ko-KR" kern="0">
+              <a:rPr lang="en-US" altLang="ko-KR" kern="0" dirty="0" err="1">
                 <a:solidFill>
                   <a:srgbClr val="4472C4"/>
                 </a:solidFill>
                 <a:latin typeface="돋움체" panose="020B0609000101010101" pitchFamily="49" charset="-127"/>
                 <a:cs typeface="돋움체" panose="020B0609000101010101" pitchFamily="49" charset="-127"/>
               </a:rPr>
-              <a:t>std_wptr.operator=</a:t>
-            </a:r>
-            <a:endParaRPr lang="ko-KR" altLang="ko-KR" kern="100">
+              <a:t>std_wptr.operator</a:t>
+            </a:r>
+            <a:r>
+              <a:rPr lang="en-US" altLang="ko-KR" kern="0" dirty="0">
+                <a:solidFill>
+                  <a:srgbClr val="4472C4"/>
+                </a:solidFill>
+                <a:latin typeface="돋움체" panose="020B0609000101010101" pitchFamily="49" charset="-127"/>
+                <a:cs typeface="돋움체" panose="020B0609000101010101" pitchFamily="49" charset="-127"/>
+              </a:rPr>
+              <a:t>=</a:t>
+            </a:r>
+            <a:endParaRPr lang="ko-KR" altLang="ko-KR" kern="100" dirty="0">
               <a:latin typeface="맑은 고딕" panose="020B0503020000020004" pitchFamily="50" charset="-127"/>
               <a:cs typeface="Times New Roman" panose="02020603050405020304" pitchFamily="18" charset="0"/>
             </a:endParaRPr>
@@ -17619,16 +17906,56 @@
               </a:lnSpc>
             </a:pPr>
             <a:r>
-              <a:rPr lang="en-US" altLang="ko-KR" kern="0">
+              <a:rPr lang="en-US" altLang="ko-KR" kern="0" dirty="0" err="1" smtClean="0">
                 <a:solidFill>
                   <a:srgbClr val="FF0000"/>
                 </a:solidFill>
                 <a:latin typeface="돋움체" panose="020B0609000101010101" pitchFamily="49" charset="-127"/>
                 <a:cs typeface="돋움체" panose="020B0609000101010101" pitchFamily="49" charset="-127"/>
               </a:rPr>
-              <a:t>std_wptr.owner_before	</a:t>
-            </a:r>
-            <a:endParaRPr lang="ko-KR" altLang="ko-KR" kern="100">
+              <a:t>std_wptr.owner_before</a:t>
+            </a:r>
+            <a:r>
+              <a:rPr lang="en-US" altLang="ko-KR" kern="0" dirty="0">
+                <a:solidFill>
+                  <a:srgbClr val="FF0000"/>
+                </a:solidFill>
+                <a:latin typeface="돋움체" panose="020B0609000101010101" pitchFamily="49" charset="-127"/>
+                <a:cs typeface="돋움체" panose="020B0609000101010101" pitchFamily="49" charset="-127"/>
+              </a:rPr>
+              <a:t>   </a:t>
+            </a:r>
+            <a:r>
+              <a:rPr lang="en-US" altLang="ko-KR" kern="0" dirty="0" smtClean="0">
+                <a:solidFill>
+                  <a:srgbClr val="FF0000"/>
+                </a:solidFill>
+                <a:latin typeface="돋움체" panose="020B0609000101010101" pitchFamily="49" charset="-127"/>
+                <a:cs typeface="돋움체" panose="020B0609000101010101" pitchFamily="49" charset="-127"/>
+              </a:rPr>
+              <a:t>  (</a:t>
+            </a:r>
+            <a:r>
+              <a:rPr lang="ko-KR" altLang="en-US" kern="0" dirty="0">
+                <a:solidFill>
+                  <a:srgbClr val="FF0000"/>
+                </a:solidFill>
+                <a:latin typeface="돋움체" panose="020B0609000101010101" pitchFamily="49" charset="-127"/>
+                <a:cs typeface="돋움체" panose="020B0609000101010101" pitchFamily="49" charset="-127"/>
+              </a:rPr>
+              <a:t>구현 복잡성 </a:t>
+            </a:r>
+            <a:r>
+              <a:rPr lang="en-US" altLang="ko-KR" kern="0" dirty="0">
+                <a:solidFill>
+                  <a:srgbClr val="FF0000"/>
+                </a:solidFill>
+                <a:latin typeface="돋움체" panose="020B0609000101010101" pitchFamily="49" charset="-127"/>
+                <a:cs typeface="돋움체" panose="020B0609000101010101" pitchFamily="49" charset="-127"/>
+              </a:rPr>
+              <a:t>x)</a:t>
+            </a:r>
+            <a:endParaRPr lang="ko-KR" altLang="ko-KR" kern="100" dirty="0">
               <a:latin typeface="맑은 고딕" panose="020B0503020000020004" pitchFamily="50" charset="-127"/>
               <a:cs typeface="Times New Roman" panose="02020603050405020304" pitchFamily="18" charset="0"/>
             </a:endParaRPr>
@@ -17640,7 +17967,28 @@
               </a:lnSpc>
             </a:pPr>
             <a:r>
-              <a:rPr lang="en-US" altLang="ko-KR" kern="0">
+              <a:rPr lang="en-US" altLang="ko-KR" kern="0" dirty="0">
+                <a:solidFill>
+                  <a:srgbClr val="FF0000"/>
+                </a:solidFill>
+                <a:latin typeface="돋움체" panose="020B0609000101010101" pitchFamily="49" charset="-127"/>
+                <a:cs typeface="돋움체" panose="020B0609000101010101" pitchFamily="49" charset="-127"/>
+              </a:rPr>
+              <a:t>	</a:t>
+            </a:r>
+            <a:endParaRPr lang="ko-KR" altLang="ko-KR" kern="100" dirty="0">
+              <a:latin typeface="맑은 고딕" panose="020B0503020000020004" pitchFamily="50" charset="-127"/>
+              <a:cs typeface="Times New Roman" panose="02020603050405020304" pitchFamily="18" charset="0"/>
+            </a:endParaRPr>
+          </a:p>
+          <a:p>
+            <a:pPr latinLnBrk="0">
+              <a:lnSpc>
+                <a:spcPct val="107000"/>
+              </a:lnSpc>
+            </a:pPr>
+            <a:r>
+              <a:rPr lang="en-US" altLang="ko-KR" kern="0" dirty="0" err="1">
                 <a:solidFill>
                   <a:srgbClr val="4472C4"/>
                 </a:solidFill>
@@ -17649,7 +17997,7 @@
               </a:rPr>
               <a:t>std_wptr.reset</a:t>
             </a:r>
-            <a:endParaRPr lang="ko-KR" altLang="ko-KR" kern="100">
+            <a:endParaRPr lang="ko-KR" altLang="ko-KR" kern="100" dirty="0">
               <a:latin typeface="맑은 고딕" panose="020B0503020000020004" pitchFamily="50" charset="-127"/>
               <a:cs typeface="Times New Roman" panose="02020603050405020304" pitchFamily="18" charset="0"/>
             </a:endParaRPr>
@@ -17661,7 +18009,7 @@
               </a:lnSpc>
             </a:pPr>
             <a:r>
-              <a:rPr lang="en-US" altLang="ko-KR" kern="0">
+              <a:rPr lang="en-US" altLang="ko-KR" kern="0" dirty="0" err="1" smtClean="0">
                 <a:solidFill>
                   <a:srgbClr val="4472C4"/>
                 </a:solidFill>
@@ -17670,28 +18018,57 @@
               </a:rPr>
               <a:t>std_wptr.swap</a:t>
             </a:r>
-            <a:endParaRPr lang="ko-KR" altLang="ko-KR" kern="100">
-              <a:latin typeface="맑은 고딕" panose="020B0503020000020004" pitchFamily="50" charset="-127"/>
-              <a:cs typeface="Times New Roman" panose="02020603050405020304" pitchFamily="18" charset="0"/>
-            </a:endParaRPr>
-          </a:p>
-          <a:p>
-            <a:pPr latinLnBrk="0">
-              <a:lnSpc>
-                <a:spcPct val="107000"/>
-              </a:lnSpc>
-            </a:pPr>
-            <a:r>
-              <a:rPr lang="en-US" altLang="ko-KR" kern="0">
+            <a:r>
+              <a:rPr lang="en-US" altLang="ko-KR" kern="0" dirty="0" smtClean="0">
                 <a:solidFill>
                   <a:srgbClr val="4472C4"/>
                 </a:solidFill>
                 <a:latin typeface="돋움체" panose="020B0609000101010101" pitchFamily="49" charset="-127"/>
                 <a:cs typeface="돋움체" panose="020B0609000101010101" pitchFamily="49" charset="-127"/>
               </a:rPr>
-              <a:t>std_wptr.use_count	</a:t>
-            </a:r>
-            <a:endParaRPr lang="ko-KR" altLang="ko-KR" kern="100">
+              <a:t>             </a:t>
+            </a:r>
+            <a:r>
+              <a:rPr lang="en-US" altLang="ko-KR" kern="0" dirty="0">
+                <a:solidFill>
+                  <a:srgbClr val="FF0000"/>
+                </a:solidFill>
+                <a:latin typeface="돋움체" panose="020B0609000101010101" pitchFamily="49" charset="-127"/>
+                <a:cs typeface="돋움체" panose="020B0609000101010101" pitchFamily="49" charset="-127"/>
+              </a:rPr>
+              <a:t>(</a:t>
+            </a:r>
+            <a:r>
+              <a:rPr lang="ko-KR" altLang="en-US" kern="0" dirty="0">
+                <a:solidFill>
+                  <a:srgbClr val="FF0000"/>
+                </a:solidFill>
+                <a:latin typeface="돋움체" panose="020B0609000101010101" pitchFamily="49" charset="-127"/>
+                <a:cs typeface="돋움체" panose="020B0609000101010101" pitchFamily="49" charset="-127"/>
+              </a:rPr>
+              <a:t>성능 </a:t>
+            </a:r>
+            <a:r>
+              <a:rPr lang="en-US" altLang="ko-KR" kern="0" dirty="0">
+                <a:solidFill>
+                  <a:srgbClr val="FF0000"/>
+                </a:solidFill>
+                <a:latin typeface="돋움체" panose="020B0609000101010101" pitchFamily="49" charset="-127"/>
+                <a:cs typeface="돋움체" panose="020B0609000101010101" pitchFamily="49" charset="-127"/>
+              </a:rPr>
+              <a:t>x</a:t>
+            </a:r>
+            <a:r>
+              <a:rPr lang="en-US" altLang="ko-KR" kern="0" dirty="0" smtClean="0">
+                <a:solidFill>
+                  <a:srgbClr val="FF0000"/>
+                </a:solidFill>
+                <a:latin typeface="돋움체" panose="020B0609000101010101" pitchFamily="49" charset="-127"/>
+                <a:cs typeface="돋움체" panose="020B0609000101010101" pitchFamily="49" charset="-127"/>
+              </a:rPr>
+              <a:t>)</a:t>
+            </a:r>
+            <a:endParaRPr lang="ko-KR" altLang="ko-KR" kern="100" dirty="0">
               <a:latin typeface="맑은 고딕" panose="020B0503020000020004" pitchFamily="50" charset="-127"/>
               <a:cs typeface="Times New Roman" panose="02020603050405020304" pitchFamily="18" charset="0"/>
             </a:endParaRPr>
@@ -17703,16 +18080,77 @@
               </a:lnSpc>
             </a:pPr>
             <a:r>
-              <a:rPr lang="en-US" altLang="ko-KR" kern="0">
+              <a:rPr lang="en-US" altLang="ko-KR" kern="0" dirty="0" err="1">
                 <a:solidFill>
                   <a:srgbClr val="4472C4"/>
                 </a:solidFill>
                 <a:latin typeface="돋움체" panose="020B0609000101010101" pitchFamily="49" charset="-127"/>
                 <a:cs typeface="돋움체" panose="020B0609000101010101" pitchFamily="49" charset="-127"/>
               </a:rPr>
-              <a:t>std_wptr.~weak_ptr</a:t>
-            </a:r>
-            <a:endParaRPr lang="ko-KR" altLang="ko-KR" kern="100">
+              <a:t>std_wptr.use_count</a:t>
+            </a:r>
+            <a:r>
+              <a:rPr lang="en-US" altLang="ko-KR" kern="0" dirty="0">
+                <a:solidFill>
+                  <a:srgbClr val="4472C4"/>
+                </a:solidFill>
+                <a:latin typeface="돋움체" panose="020B0609000101010101" pitchFamily="49" charset="-127"/>
+                <a:cs typeface="돋움체" panose="020B0609000101010101" pitchFamily="49" charset="-127"/>
+              </a:rPr>
+              <a:t>	</a:t>
+            </a:r>
+            <a:endParaRPr lang="ko-KR" altLang="ko-KR" kern="100" dirty="0">
+              <a:latin typeface="맑은 고딕" panose="020B0503020000020004" pitchFamily="50" charset="-127"/>
+              <a:cs typeface="Times New Roman" panose="02020603050405020304" pitchFamily="18" charset="0"/>
+            </a:endParaRPr>
+          </a:p>
+          <a:p>
+            <a:pPr latinLnBrk="0">
+              <a:lnSpc>
+                <a:spcPct val="107000"/>
+              </a:lnSpc>
+            </a:pPr>
+            <a:r>
+              <a:rPr lang="en-US" altLang="ko-KR" kern="0" dirty="0">
+                <a:solidFill>
+                  <a:srgbClr val="4472C4"/>
+                </a:solidFill>
+                <a:latin typeface="돋움체" panose="020B0609000101010101" pitchFamily="49" charset="-127"/>
+                <a:cs typeface="돋움체" panose="020B0609000101010101" pitchFamily="49" charset="-127"/>
+              </a:rPr>
+              <a:t>std_</a:t>
+            </a:r>
+            <a:r>
+              <a:rPr lang="en-US" altLang="ko-KR" kern="0" dirty="0" err="1">
+                <a:solidFill>
+                  <a:srgbClr val="4472C4"/>
+                </a:solidFill>
+                <a:latin typeface="돋움체" panose="020B0609000101010101" pitchFamily="49" charset="-127"/>
+                <a:cs typeface="돋움체" panose="020B0609000101010101" pitchFamily="49" charset="-127"/>
+              </a:rPr>
+              <a:t>wptr</a:t>
+            </a:r>
+            <a:r>
+              <a:rPr lang="en-US" altLang="ko-KR" kern="0" dirty="0">
+                <a:solidFill>
+                  <a:srgbClr val="4472C4"/>
+                </a:solidFill>
+                <a:latin typeface="돋움체" panose="020B0609000101010101" pitchFamily="49" charset="-127"/>
+                <a:cs typeface="돋움체" panose="020B0609000101010101" pitchFamily="49" charset="-127"/>
+              </a:rPr>
+              <a:t>.~</a:t>
+            </a:r>
+            <a:r>
+              <a:rPr lang="en-US" altLang="ko-KR" kern="0" dirty="0" err="1">
+                <a:solidFill>
+                  <a:srgbClr val="4472C4"/>
+                </a:solidFill>
+                <a:latin typeface="돋움체" panose="020B0609000101010101" pitchFamily="49" charset="-127"/>
+                <a:cs typeface="돋움체" panose="020B0609000101010101" pitchFamily="49" charset="-127"/>
+              </a:rPr>
+              <a:t>weak_ptr</a:t>
+            </a:r>
+            <a:endParaRPr lang="ko-KR" altLang="ko-KR" kern="100" dirty="0">
               <a:latin typeface="맑은 고딕" panose="020B0503020000020004" pitchFamily="50" charset="-127"/>
               <a:cs typeface="Times New Roman" panose="02020603050405020304" pitchFamily="18" charset="0"/>
             </a:endParaRPr>
@@ -17955,6 +18393,13 @@
   <p:clrMapOvr>
     <a:masterClrMapping/>
   </p:clrMapOvr>
+  <p:timing>
+    <p:tnLst>
+      <p:par>
+        <p:cTn id="1" dur="indefinite" restart="never" nodeType="tmRoot"/>
+      </p:par>
+    </p:tnLst>
+  </p:timing>
 </p:sld>
 </file>
 
